--- a/Wanxiang_2022_GhostNFT_presentation.pptx
+++ b/Wanxiang_2022_GhostNFT_presentation.pptx
@@ -3990,7 +3990,7 @@
           <a:graphicData uri="http://schemas.openxmlformats.org/presentationml/2006/ole">
             <mc:AlternateContent xmlns:mc="http://schemas.openxmlformats.org/markup-compatibility/2006">
               <mc:Choice xmlns:v="urn:schemas-microsoft-com:vml" Requires="v">
-                <p:oleObj spid="_x0000_s1178" name="think-cell Slide" r:id="rId9" imgW="7763510" imgH="10049510" progId="TCLayout.ActiveDocument.1">
+                <p:oleObj spid="_x0000_s1186" name="think-cell Slide" r:id="rId9" imgW="7763510" imgH="10049510" progId="TCLayout.ActiveDocument.1">
                   <p:embed/>
                 </p:oleObj>
               </mc:Choice>
@@ -6094,6 +6094,16 @@
             </a:pPr>
             <a:r>
               <a:rPr kumimoji="1" lang="zh-CN" altLang="en-US" sz="1500" dirty="0"/>
+              <a:t>完善和丰富的接入文档和示例代码</a:t>
+            </a:r>
+            <a:endParaRPr kumimoji="1" lang="en-US" altLang="zh-CN" sz="1500" dirty="0"/>
+          </a:p>
+          <a:p>
+            <a:pPr marL="114300" indent="0">
+              <a:buNone/>
+            </a:pPr>
+            <a:r>
+              <a:rPr kumimoji="1" lang="zh-CN" altLang="en-US" sz="1500" dirty="0"/>
               <a:t>支持</a:t>
             </a:r>
             <a:r>
@@ -6144,17 +6154,11 @@
               <a:buNone/>
             </a:pPr>
             <a:r>
-              <a:rPr kumimoji="1" lang="zh-CN" altLang="en-US" sz="1500" dirty="0"/>
+              <a:rPr kumimoji="1" lang="zh-CN" altLang="en-US" sz="1500"/>
               <a:t>欢迎任何</a:t>
             </a:r>
-            <a:endParaRPr kumimoji="1" lang="en-US" altLang="zh-CN" sz="1500" dirty="0"/>
-          </a:p>
-          <a:p>
-            <a:pPr marL="114300" indent="0">
-              <a:buNone/>
-            </a:pPr>
-            <a:r>
-              <a:rPr kumimoji="1" lang="en-US" altLang="zh-CN" sz="1500" dirty="0" err="1"/>
+            <a:r>
+              <a:rPr kumimoji="1" lang="en-US" altLang="zh-CN" sz="1500"/>
               <a:t>GameFi</a:t>
             </a:r>
             <a:r>
